--- a/ВКР_Муравьева.pptx
+++ b/ВКР_Муравьева.pptx
@@ -6,6 +6,16 @@
   </p:sldMasterIdLst>
   <p:sldIdLst>
     <p:sldId id="256" r:id="rId2"/>
+    <p:sldId id="257" r:id="rId3"/>
+    <p:sldId id="258" r:id="rId4"/>
+    <p:sldId id="259" r:id="rId5"/>
+    <p:sldId id="260" r:id="rId6"/>
+    <p:sldId id="261" r:id="rId7"/>
+    <p:sldId id="262" r:id="rId8"/>
+    <p:sldId id="263" r:id="rId9"/>
+    <p:sldId id="264" r:id="rId10"/>
+    <p:sldId id="265" r:id="rId11"/>
+    <p:sldId id="266" r:id="rId12"/>
   </p:sldIdLst>
   <p:sldSz cx="12192000" cy="6858000"/>
   <p:notesSz cx="6858000" cy="9144000"/>
@@ -104,6 +114,30 @@
       </a:defRPr>
     </a:lvl9pPr>
   </p:defaultTextStyle>
+  <p:extLst>
+    <p:ext uri="{521415D9-36F7-43E2-AB2F-B90AF26B5E84}">
+      <p14:sectionLst xmlns:p14="http://schemas.microsoft.com/office/powerpoint/2010/main">
+        <p14:section name="Раздел без заголовка" id="{F8E622E5-B5C9-4E09-8CE1-179227DA72E7}">
+          <p14:sldIdLst>
+            <p14:sldId id="256"/>
+            <p14:sldId id="257"/>
+            <p14:sldId id="258"/>
+            <p14:sldId id="259"/>
+            <p14:sldId id="260"/>
+            <p14:sldId id="261"/>
+            <p14:sldId id="262"/>
+            <p14:sldId id="263"/>
+            <p14:sldId id="264"/>
+            <p14:sldId id="265"/>
+            <p14:sldId id="266"/>
+          </p14:sldIdLst>
+        </p14:section>
+      </p14:sectionLst>
+    </p:ext>
+    <p:ext uri="{EFAFB233-063F-42B5-8137-9DF3F51BA10A}">
+      <p15:sldGuideLst xmlns:p15="http://schemas.microsoft.com/office/powerpoint/2012/main"/>
+    </p:ext>
+  </p:extLst>
 </p:presentation>
 </file>
 
@@ -270,7 +304,7 @@
           <a:p>
             <a:fld id="{EF905C16-5F6C-45D3-A137-7F41FD05D37E}" type="datetimeFigureOut">
               <a:rPr lang="ru-RU" smtClean="0"/>
-              <a:t>19.03.2023</a:t>
+              <a:t>30.03.2023</a:t>
             </a:fld>
             <a:endParaRPr lang="ru-RU"/>
           </a:p>
@@ -440,7 +474,7 @@
           <a:p>
             <a:fld id="{EF905C16-5F6C-45D3-A137-7F41FD05D37E}" type="datetimeFigureOut">
               <a:rPr lang="ru-RU" smtClean="0"/>
-              <a:t>19.03.2023</a:t>
+              <a:t>30.03.2023</a:t>
             </a:fld>
             <a:endParaRPr lang="ru-RU"/>
           </a:p>
@@ -620,7 +654,7 @@
           <a:p>
             <a:fld id="{EF905C16-5F6C-45D3-A137-7F41FD05D37E}" type="datetimeFigureOut">
               <a:rPr lang="ru-RU" smtClean="0"/>
-              <a:t>19.03.2023</a:t>
+              <a:t>30.03.2023</a:t>
             </a:fld>
             <a:endParaRPr lang="ru-RU"/>
           </a:p>
@@ -790,7 +824,7 @@
           <a:p>
             <a:fld id="{EF905C16-5F6C-45D3-A137-7F41FD05D37E}" type="datetimeFigureOut">
               <a:rPr lang="ru-RU" smtClean="0"/>
-              <a:t>19.03.2023</a:t>
+              <a:t>30.03.2023</a:t>
             </a:fld>
             <a:endParaRPr lang="ru-RU"/>
           </a:p>
@@ -1058,7 +1092,7 @@
           <a:p>
             <a:fld id="{EF905C16-5F6C-45D3-A137-7F41FD05D37E}" type="datetimeFigureOut">
               <a:rPr lang="ru-RU" smtClean="0"/>
-              <a:t>19.03.2023</a:t>
+              <a:t>30.03.2023</a:t>
             </a:fld>
             <a:endParaRPr lang="ru-RU"/>
           </a:p>
@@ -1290,7 +1324,7 @@
           <a:p>
             <a:fld id="{EF905C16-5F6C-45D3-A137-7F41FD05D37E}" type="datetimeFigureOut">
               <a:rPr lang="ru-RU" smtClean="0"/>
-              <a:t>19.03.2023</a:t>
+              <a:t>30.03.2023</a:t>
             </a:fld>
             <a:endParaRPr lang="ru-RU"/>
           </a:p>
@@ -1649,7 +1683,7 @@
           <a:p>
             <a:fld id="{EF905C16-5F6C-45D3-A137-7F41FD05D37E}" type="datetimeFigureOut">
               <a:rPr lang="ru-RU" smtClean="0"/>
-              <a:t>19.03.2023</a:t>
+              <a:t>30.03.2023</a:t>
             </a:fld>
             <a:endParaRPr lang="ru-RU"/>
           </a:p>
@@ -1790,7 +1824,7 @@
           <a:p>
             <a:fld id="{EF905C16-5F6C-45D3-A137-7F41FD05D37E}" type="datetimeFigureOut">
               <a:rPr lang="ru-RU" smtClean="0"/>
-              <a:t>19.03.2023</a:t>
+              <a:t>30.03.2023</a:t>
             </a:fld>
             <a:endParaRPr lang="ru-RU"/>
           </a:p>
@@ -1885,7 +1919,7 @@
           <a:p>
             <a:fld id="{EF905C16-5F6C-45D3-A137-7F41FD05D37E}" type="datetimeFigureOut">
               <a:rPr lang="ru-RU" smtClean="0"/>
-              <a:t>19.03.2023</a:t>
+              <a:t>30.03.2023</a:t>
             </a:fld>
             <a:endParaRPr lang="ru-RU"/>
           </a:p>
@@ -2242,7 +2276,7 @@
           <a:p>
             <a:fld id="{EF905C16-5F6C-45D3-A137-7F41FD05D37E}" type="datetimeFigureOut">
               <a:rPr lang="ru-RU" smtClean="0"/>
-              <a:t>19.03.2023</a:t>
+              <a:t>30.03.2023</a:t>
             </a:fld>
             <a:endParaRPr lang="ru-RU"/>
           </a:p>
@@ -2599,7 +2633,7 @@
           <a:p>
             <a:fld id="{EF905C16-5F6C-45D3-A137-7F41FD05D37E}" type="datetimeFigureOut">
               <a:rPr lang="ru-RU" smtClean="0"/>
-              <a:t>19.03.2023</a:t>
+              <a:t>30.03.2023</a:t>
             </a:fld>
             <a:endParaRPr lang="ru-RU"/>
           </a:p>
@@ -2841,7 +2875,7 @@
           <a:p>
             <a:fld id="{EF905C16-5F6C-45D3-A137-7F41FD05D37E}" type="datetimeFigureOut">
               <a:rPr lang="ru-RU" smtClean="0"/>
-              <a:t>19.03.2023</a:t>
+              <a:t>30.03.2023</a:t>
             </a:fld>
             <a:endParaRPr lang="ru-RU"/>
           </a:p>
@@ -3642,6 +3676,1266 @@
 </p:sld>
 </file>
 
+<file path=ppt/slides/slide10.xml><?xml version="1.0" encoding="utf-8"?>
+<p:sld xmlns:a="http://schemas.openxmlformats.org/drawingml/2006/main" xmlns:r="http://schemas.openxmlformats.org/officeDocument/2006/relationships" xmlns:p="http://schemas.openxmlformats.org/presentationml/2006/main">
+  <p:cSld>
+    <p:spTree>
+      <p:nvGrpSpPr>
+        <p:cNvPr id="1" name=""/>
+        <p:cNvGrpSpPr/>
+        <p:nvPr/>
+      </p:nvGrpSpPr>
+      <p:grpSpPr>
+        <a:xfrm>
+          <a:off x="0" y="0"/>
+          <a:ext cx="0" cy="0"/>
+          <a:chOff x="0" y="0"/>
+          <a:chExt cx="0" cy="0"/>
+        </a:xfrm>
+      </p:grpSpPr>
+      <p:sp>
+        <p:nvSpPr>
+          <p:cNvPr id="2" name="Заголовок 1">
+            <a:extLst>
+              <a:ext uri="{FF2B5EF4-FFF2-40B4-BE49-F238E27FC236}">
+                <a16:creationId xmlns:a16="http://schemas.microsoft.com/office/drawing/2014/main" id="{7FC0E9C7-9665-4895-8219-AD110109A732}"/>
+              </a:ext>
+            </a:extLst>
+          </p:cNvPr>
+          <p:cNvSpPr>
+            <a:spLocks noGrp="1"/>
+          </p:cNvSpPr>
+          <p:nvPr>
+            <p:ph type="title"/>
+          </p:nvPr>
+        </p:nvSpPr>
+        <p:spPr/>
+        <p:txBody>
+          <a:bodyPr/>
+          <a:lstStyle/>
+          <a:p>
+            <a:r>
+              <a:rPr lang="ru-RU" dirty="0"/>
+              <a:t>Приложение</a:t>
+            </a:r>
+          </a:p>
+        </p:txBody>
+      </p:sp>
+      <p:pic>
+        <p:nvPicPr>
+          <p:cNvPr id="4" name="Объект 3">
+            <a:extLst>
+              <a:ext uri="{FF2B5EF4-FFF2-40B4-BE49-F238E27FC236}">
+                <a16:creationId xmlns:a16="http://schemas.microsoft.com/office/drawing/2014/main" id="{9E71BB49-80BA-4C82-9C9A-96E6EE253A93}"/>
+              </a:ext>
+            </a:extLst>
+          </p:cNvPr>
+          <p:cNvPicPr>
+            <a:picLocks noGrp="1"/>
+          </p:cNvPicPr>
+          <p:nvPr>
+            <p:ph idx="1"/>
+          </p:nvPr>
+        </p:nvPicPr>
+        <p:blipFill>
+          <a:blip r:embed="rId2"/>
+          <a:stretch>
+            <a:fillRect/>
+          </a:stretch>
+        </p:blipFill>
+        <p:spPr>
+          <a:xfrm>
+            <a:off x="971681" y="2552714"/>
+            <a:ext cx="4239511" cy="3101975"/>
+          </a:xfrm>
+          <a:prstGeom prst="rect">
+            <a:avLst/>
+          </a:prstGeom>
+        </p:spPr>
+      </p:pic>
+      <p:pic>
+        <p:nvPicPr>
+          <p:cNvPr id="5" name="Рисунок 4">
+            <a:extLst>
+              <a:ext uri="{FF2B5EF4-FFF2-40B4-BE49-F238E27FC236}">
+                <a16:creationId xmlns:a16="http://schemas.microsoft.com/office/drawing/2014/main" id="{588FBD62-1492-49AB-8D53-6E1CF58B612D}"/>
+              </a:ext>
+            </a:extLst>
+          </p:cNvPr>
+          <p:cNvPicPr/>
+          <p:nvPr/>
+        </p:nvPicPr>
+        <p:blipFill>
+          <a:blip r:embed="rId3"/>
+          <a:stretch>
+            <a:fillRect/>
+          </a:stretch>
+        </p:blipFill>
+        <p:spPr>
+          <a:xfrm>
+            <a:off x="5670883" y="2552714"/>
+            <a:ext cx="4476294" cy="3101975"/>
+          </a:xfrm>
+          <a:prstGeom prst="rect">
+            <a:avLst/>
+          </a:prstGeom>
+        </p:spPr>
+      </p:pic>
+    </p:spTree>
+    <p:extLst>
+      <p:ext uri="{BB962C8B-B14F-4D97-AF65-F5344CB8AC3E}">
+        <p14:creationId xmlns:p14="http://schemas.microsoft.com/office/powerpoint/2010/main" val="717756045"/>
+      </p:ext>
+    </p:extLst>
+  </p:cSld>
+  <p:clrMapOvr>
+    <a:masterClrMapping/>
+  </p:clrMapOvr>
+</p:sld>
+</file>
+
+<file path=ppt/slides/slide11.xml><?xml version="1.0" encoding="utf-8"?>
+<p:sld xmlns:a="http://schemas.openxmlformats.org/drawingml/2006/main" xmlns:r="http://schemas.openxmlformats.org/officeDocument/2006/relationships" xmlns:p="http://schemas.openxmlformats.org/presentationml/2006/main">
+  <p:cSld>
+    <p:spTree>
+      <p:nvGrpSpPr>
+        <p:cNvPr id="1" name=""/>
+        <p:cNvGrpSpPr/>
+        <p:nvPr/>
+      </p:nvGrpSpPr>
+      <p:grpSpPr>
+        <a:xfrm>
+          <a:off x="0" y="0"/>
+          <a:ext cx="0" cy="0"/>
+          <a:chOff x="0" y="0"/>
+          <a:chExt cx="0" cy="0"/>
+        </a:xfrm>
+      </p:grpSpPr>
+      <p:sp>
+        <p:nvSpPr>
+          <p:cNvPr id="2" name="Заголовок 1">
+            <a:extLst>
+              <a:ext uri="{FF2B5EF4-FFF2-40B4-BE49-F238E27FC236}">
+                <a16:creationId xmlns:a16="http://schemas.microsoft.com/office/drawing/2014/main" id="{64ACC729-E898-425B-B1C3-0D5B2BE661B9}"/>
+              </a:ext>
+            </a:extLst>
+          </p:cNvPr>
+          <p:cNvSpPr>
+            <a:spLocks noGrp="1"/>
+          </p:cNvSpPr>
+          <p:nvPr>
+            <p:ph type="title"/>
+          </p:nvPr>
+        </p:nvSpPr>
+        <p:spPr>
+          <a:xfrm>
+            <a:off x="2231136" y="2834640"/>
+            <a:ext cx="7729728" cy="1188720"/>
+          </a:xfrm>
+        </p:spPr>
+        <p:txBody>
+          <a:bodyPr/>
+          <a:lstStyle/>
+          <a:p>
+            <a:r>
+              <a:rPr lang="ru-RU" dirty="0"/>
+              <a:t>Спасибо за внимание!</a:t>
+            </a:r>
+          </a:p>
+        </p:txBody>
+      </p:sp>
+    </p:spTree>
+    <p:extLst>
+      <p:ext uri="{BB962C8B-B14F-4D97-AF65-F5344CB8AC3E}">
+        <p14:creationId xmlns:p14="http://schemas.microsoft.com/office/powerpoint/2010/main" val="2809541527"/>
+      </p:ext>
+    </p:extLst>
+  </p:cSld>
+  <p:clrMapOvr>
+    <a:masterClrMapping/>
+  </p:clrMapOvr>
+</p:sld>
+</file>
+
+<file path=ppt/slides/slide2.xml><?xml version="1.0" encoding="utf-8"?>
+<p:sld xmlns:a="http://schemas.openxmlformats.org/drawingml/2006/main" xmlns:r="http://schemas.openxmlformats.org/officeDocument/2006/relationships" xmlns:p="http://schemas.openxmlformats.org/presentationml/2006/main">
+  <p:cSld>
+    <p:spTree>
+      <p:nvGrpSpPr>
+        <p:cNvPr id="1" name=""/>
+        <p:cNvGrpSpPr/>
+        <p:nvPr/>
+      </p:nvGrpSpPr>
+      <p:grpSpPr>
+        <a:xfrm>
+          <a:off x="0" y="0"/>
+          <a:ext cx="0" cy="0"/>
+          <a:chOff x="0" y="0"/>
+          <a:chExt cx="0" cy="0"/>
+        </a:xfrm>
+      </p:grpSpPr>
+      <p:sp>
+        <p:nvSpPr>
+          <p:cNvPr id="2" name="Заголовок 1">
+            <a:extLst>
+              <a:ext uri="{FF2B5EF4-FFF2-40B4-BE49-F238E27FC236}">
+                <a16:creationId xmlns:a16="http://schemas.microsoft.com/office/drawing/2014/main" id="{6EBA42F6-96C6-465A-B57E-77AFB89FDB4F}"/>
+              </a:ext>
+            </a:extLst>
+          </p:cNvPr>
+          <p:cNvSpPr>
+            <a:spLocks noGrp="1"/>
+          </p:cNvSpPr>
+          <p:nvPr>
+            <p:ph type="title"/>
+          </p:nvPr>
+        </p:nvSpPr>
+        <p:spPr/>
+        <p:txBody>
+          <a:bodyPr/>
+          <a:lstStyle/>
+          <a:p>
+            <a:r>
+              <a:rPr lang="ru-RU" dirty="0"/>
+              <a:t>Актуальность темы исследования</a:t>
+            </a:r>
+          </a:p>
+        </p:txBody>
+      </p:sp>
+      <p:sp>
+        <p:nvSpPr>
+          <p:cNvPr id="3" name="Объект 2">
+            <a:extLst>
+              <a:ext uri="{FF2B5EF4-FFF2-40B4-BE49-F238E27FC236}">
+                <a16:creationId xmlns:a16="http://schemas.microsoft.com/office/drawing/2014/main" id="{C39DEEDA-C811-4537-945B-EEE0BBA156D9}"/>
+              </a:ext>
+            </a:extLst>
+          </p:cNvPr>
+          <p:cNvSpPr>
+            <a:spLocks noGrp="1"/>
+          </p:cNvSpPr>
+          <p:nvPr>
+            <p:ph idx="1"/>
+          </p:nvPr>
+        </p:nvSpPr>
+        <p:spPr/>
+        <p:txBody>
+          <a:bodyPr>
+            <a:normAutofit fontScale="92500" lnSpcReduction="10000"/>
+          </a:bodyPr>
+          <a:lstStyle/>
+          <a:p>
+            <a:r>
+              <a:rPr lang="ru-RU" dirty="0"/>
+              <a:t>Композиты - многокомпонентные материалы, состоящие из полимерной, металлической., углеродной, керамической или др. основы (матрицы), армированной наполнителями из волокон, нитевидных кристаллов, </a:t>
+            </a:r>
+            <a:r>
+              <a:rPr lang="ru-RU" dirty="0" err="1"/>
+              <a:t>тонкодиспeрсных</a:t>
+            </a:r>
+            <a:r>
+              <a:rPr lang="ru-RU" dirty="0"/>
+              <a:t> частиц и др. Путем подбора состава и свойств наполнителя и матрицы (связующего), их соотношения, ориентации наполнителя можно получить материалы с требуемым сочетанием эксплуатационных и технологических свойств.</a:t>
+            </a:r>
+          </a:p>
+          <a:p>
+            <a:r>
+              <a:rPr lang="ru-RU" dirty="0"/>
+              <a:t>Стоит сразу оговорить, что композиционные материалы создаются под выполнение конкретных задач, соответственно не могут вмещать в себя все возможные преимущества, но, проектируя новый композит, ему задают характеристики значительно превосходящие характеристики традиционных материалов.</a:t>
+            </a:r>
+          </a:p>
+        </p:txBody>
+      </p:sp>
+    </p:spTree>
+    <p:extLst>
+      <p:ext uri="{BB962C8B-B14F-4D97-AF65-F5344CB8AC3E}">
+        <p14:creationId xmlns:p14="http://schemas.microsoft.com/office/powerpoint/2010/main" val="2952975820"/>
+      </p:ext>
+    </p:extLst>
+  </p:cSld>
+  <p:clrMapOvr>
+    <a:masterClrMapping/>
+  </p:clrMapOvr>
+</p:sld>
+</file>
+
+<file path=ppt/slides/slide3.xml><?xml version="1.0" encoding="utf-8"?>
+<p:sld xmlns:a="http://schemas.openxmlformats.org/drawingml/2006/main" xmlns:r="http://schemas.openxmlformats.org/officeDocument/2006/relationships" xmlns:p="http://schemas.openxmlformats.org/presentationml/2006/main">
+  <p:cSld>
+    <p:spTree>
+      <p:nvGrpSpPr>
+        <p:cNvPr id="1" name=""/>
+        <p:cNvGrpSpPr/>
+        <p:nvPr/>
+      </p:nvGrpSpPr>
+      <p:grpSpPr>
+        <a:xfrm>
+          <a:off x="0" y="0"/>
+          <a:ext cx="0" cy="0"/>
+          <a:chOff x="0" y="0"/>
+          <a:chExt cx="0" cy="0"/>
+        </a:xfrm>
+      </p:grpSpPr>
+      <p:sp>
+        <p:nvSpPr>
+          <p:cNvPr id="2" name="Заголовок 1">
+            <a:extLst>
+              <a:ext uri="{FF2B5EF4-FFF2-40B4-BE49-F238E27FC236}">
+                <a16:creationId xmlns:a16="http://schemas.microsoft.com/office/drawing/2014/main" id="{D8F3881D-768C-4051-A563-0C034D6A7855}"/>
+              </a:ext>
+            </a:extLst>
+          </p:cNvPr>
+          <p:cNvSpPr>
+            <a:spLocks noGrp="1"/>
+          </p:cNvSpPr>
+          <p:nvPr>
+            <p:ph type="title"/>
+          </p:nvPr>
+        </p:nvSpPr>
+        <p:spPr/>
+        <p:txBody>
+          <a:bodyPr/>
+          <a:lstStyle/>
+          <a:p>
+            <a:r>
+              <a:rPr lang="ru-RU" dirty="0"/>
+              <a:t>Описание используемых методов</a:t>
+            </a:r>
+          </a:p>
+        </p:txBody>
+      </p:sp>
+      <p:sp>
+        <p:nvSpPr>
+          <p:cNvPr id="3" name="Объект 2">
+            <a:extLst>
+              <a:ext uri="{FF2B5EF4-FFF2-40B4-BE49-F238E27FC236}">
+                <a16:creationId xmlns:a16="http://schemas.microsoft.com/office/drawing/2014/main" id="{7342E550-86CC-4FD0-9A93-52E257F80A83}"/>
+              </a:ext>
+            </a:extLst>
+          </p:cNvPr>
+          <p:cNvSpPr>
+            <a:spLocks noGrp="1"/>
+          </p:cNvSpPr>
+          <p:nvPr>
+            <p:ph idx="1"/>
+          </p:nvPr>
+        </p:nvSpPr>
+        <p:spPr/>
+        <p:txBody>
+          <a:bodyPr/>
+          <a:lstStyle/>
+          <a:p>
+            <a:r>
+              <a:rPr lang="ru-RU" dirty="0"/>
+              <a:t>Машинное обучение (англ. </a:t>
+            </a:r>
+            <a:r>
+              <a:rPr lang="ru-RU" dirty="0" err="1"/>
+              <a:t>machine</a:t>
+            </a:r>
+            <a:r>
+              <a:rPr lang="ru-RU" dirty="0"/>
+              <a:t> </a:t>
+            </a:r>
+            <a:r>
+              <a:rPr lang="ru-RU" dirty="0" err="1"/>
+              <a:t>learning</a:t>
+            </a:r>
+            <a:r>
+              <a:rPr lang="ru-RU" dirty="0"/>
+              <a:t>, ML) — класс методов искусственного интеллекта, характерной чертой которых является не прямое решение задачи, а обучение за счёт применения решений множества сходных задач. Для построения таких методов используются средства математической статистики, численных методов, математического анализа, методов оптимизации, теории вероятностей, теории графов, различные техники работы с данными в цифровой форме</a:t>
+            </a:r>
+          </a:p>
+          <a:p>
+            <a:endParaRPr lang="ru-RU" dirty="0"/>
+          </a:p>
+        </p:txBody>
+      </p:sp>
+    </p:spTree>
+    <p:extLst>
+      <p:ext uri="{BB962C8B-B14F-4D97-AF65-F5344CB8AC3E}">
+        <p14:creationId xmlns:p14="http://schemas.microsoft.com/office/powerpoint/2010/main" val="329619317"/>
+      </p:ext>
+    </p:extLst>
+  </p:cSld>
+  <p:clrMapOvr>
+    <a:masterClrMapping/>
+  </p:clrMapOvr>
+</p:sld>
+</file>
+
+<file path=ppt/slides/slide4.xml><?xml version="1.0" encoding="utf-8"?>
+<p:sld xmlns:a="http://schemas.openxmlformats.org/drawingml/2006/main" xmlns:r="http://schemas.openxmlformats.org/officeDocument/2006/relationships" xmlns:p="http://schemas.openxmlformats.org/presentationml/2006/main">
+  <p:cSld>
+    <p:spTree>
+      <p:nvGrpSpPr>
+        <p:cNvPr id="1" name=""/>
+        <p:cNvGrpSpPr/>
+        <p:nvPr/>
+      </p:nvGrpSpPr>
+      <p:grpSpPr>
+        <a:xfrm>
+          <a:off x="0" y="0"/>
+          <a:ext cx="0" cy="0"/>
+          <a:chOff x="0" y="0"/>
+          <a:chExt cx="0" cy="0"/>
+        </a:xfrm>
+      </p:grpSpPr>
+      <p:sp>
+        <p:nvSpPr>
+          <p:cNvPr id="2" name="Заголовок 1">
+            <a:extLst>
+              <a:ext uri="{FF2B5EF4-FFF2-40B4-BE49-F238E27FC236}">
+                <a16:creationId xmlns:a16="http://schemas.microsoft.com/office/drawing/2014/main" id="{500925E7-2DE2-47B6-B3DD-5EA6ACE3D225}"/>
+              </a:ext>
+            </a:extLst>
+          </p:cNvPr>
+          <p:cNvSpPr>
+            <a:spLocks noGrp="1"/>
+          </p:cNvSpPr>
+          <p:nvPr>
+            <p:ph type="title"/>
+          </p:nvPr>
+        </p:nvSpPr>
+        <p:spPr/>
+        <p:txBody>
+          <a:bodyPr/>
+          <a:lstStyle/>
+          <a:p>
+            <a:r>
+              <a:rPr lang="ru-RU" dirty="0"/>
+              <a:t>Разведочный анализ данных</a:t>
+            </a:r>
+          </a:p>
+        </p:txBody>
+      </p:sp>
+      <p:sp>
+        <p:nvSpPr>
+          <p:cNvPr id="3" name="Объект 2">
+            <a:extLst>
+              <a:ext uri="{FF2B5EF4-FFF2-40B4-BE49-F238E27FC236}">
+                <a16:creationId xmlns:a16="http://schemas.microsoft.com/office/drawing/2014/main" id="{D77354D9-4804-481A-9AF4-E91C7DA867EB}"/>
+              </a:ext>
+            </a:extLst>
+          </p:cNvPr>
+          <p:cNvSpPr>
+            <a:spLocks noGrp="1"/>
+          </p:cNvSpPr>
+          <p:nvPr>
+            <p:ph idx="1"/>
+          </p:nvPr>
+        </p:nvSpPr>
+        <p:spPr>
+          <a:xfrm>
+            <a:off x="2231136" y="2449359"/>
+            <a:ext cx="7729728" cy="790402"/>
+          </a:xfrm>
+        </p:spPr>
+        <p:txBody>
+          <a:bodyPr/>
+          <a:lstStyle/>
+          <a:p>
+            <a:r>
+              <a:rPr lang="ru-RU" dirty="0"/>
+              <a:t>Описание данных, где видно кол-во примеров, мат. ожидание, стандартное отклонение, 25, 50 и 75 квантили и максимальное значение</a:t>
+            </a:r>
+          </a:p>
+          <a:p>
+            <a:endParaRPr lang="ru-RU" dirty="0"/>
+          </a:p>
+        </p:txBody>
+      </p:sp>
+      <p:pic>
+        <p:nvPicPr>
+          <p:cNvPr id="4" name="Рисунок 3">
+            <a:extLst>
+              <a:ext uri="{FF2B5EF4-FFF2-40B4-BE49-F238E27FC236}">
+                <a16:creationId xmlns:a16="http://schemas.microsoft.com/office/drawing/2014/main" id="{C23A618D-A6E8-4810-8BAF-771EB6621B5E}"/>
+              </a:ext>
+            </a:extLst>
+          </p:cNvPr>
+          <p:cNvPicPr/>
+          <p:nvPr/>
+        </p:nvPicPr>
+        <p:blipFill>
+          <a:blip r:embed="rId2"/>
+          <a:stretch>
+            <a:fillRect/>
+          </a:stretch>
+        </p:blipFill>
+        <p:spPr>
+          <a:xfrm>
+            <a:off x="2373898" y="3239760"/>
+            <a:ext cx="7444203" cy="2825242"/>
+          </a:xfrm>
+          <a:prstGeom prst="rect">
+            <a:avLst/>
+          </a:prstGeom>
+        </p:spPr>
+      </p:pic>
+    </p:spTree>
+    <p:extLst>
+      <p:ext uri="{BB962C8B-B14F-4D97-AF65-F5344CB8AC3E}">
+        <p14:creationId xmlns:p14="http://schemas.microsoft.com/office/powerpoint/2010/main" val="276849980"/>
+      </p:ext>
+    </p:extLst>
+  </p:cSld>
+  <p:clrMapOvr>
+    <a:masterClrMapping/>
+  </p:clrMapOvr>
+</p:sld>
+</file>
+
+<file path=ppt/slides/slide5.xml><?xml version="1.0" encoding="utf-8"?>
+<p:sld xmlns:a="http://schemas.openxmlformats.org/drawingml/2006/main" xmlns:r="http://schemas.openxmlformats.org/officeDocument/2006/relationships" xmlns:p="http://schemas.openxmlformats.org/presentationml/2006/main">
+  <p:cSld>
+    <p:spTree>
+      <p:nvGrpSpPr>
+        <p:cNvPr id="1" name=""/>
+        <p:cNvGrpSpPr/>
+        <p:nvPr/>
+      </p:nvGrpSpPr>
+      <p:grpSpPr>
+        <a:xfrm>
+          <a:off x="0" y="0"/>
+          <a:ext cx="0" cy="0"/>
+          <a:chOff x="0" y="0"/>
+          <a:chExt cx="0" cy="0"/>
+        </a:xfrm>
+      </p:grpSpPr>
+      <p:pic>
+        <p:nvPicPr>
+          <p:cNvPr id="5" name="Рисунок 4">
+            <a:extLst>
+              <a:ext uri="{FF2B5EF4-FFF2-40B4-BE49-F238E27FC236}">
+                <a16:creationId xmlns:a16="http://schemas.microsoft.com/office/drawing/2014/main" id="{8FF2338E-5F40-456D-8097-0BDAACE7C47E}"/>
+              </a:ext>
+            </a:extLst>
+          </p:cNvPr>
+          <p:cNvPicPr/>
+          <p:nvPr/>
+        </p:nvPicPr>
+        <p:blipFill>
+          <a:blip r:embed="rId2"/>
+          <a:stretch>
+            <a:fillRect/>
+          </a:stretch>
+        </p:blipFill>
+        <p:spPr>
+          <a:xfrm>
+            <a:off x="4615543" y="1671872"/>
+            <a:ext cx="3254661" cy="4394200"/>
+          </a:xfrm>
+          <a:prstGeom prst="rect">
+            <a:avLst/>
+          </a:prstGeom>
+        </p:spPr>
+      </p:pic>
+      <p:pic>
+        <p:nvPicPr>
+          <p:cNvPr id="6" name="Рисунок 5">
+            <a:extLst>
+              <a:ext uri="{FF2B5EF4-FFF2-40B4-BE49-F238E27FC236}">
+                <a16:creationId xmlns:a16="http://schemas.microsoft.com/office/drawing/2014/main" id="{7F10CCAA-10E0-4AE8-8886-39D15475D6D3}"/>
+              </a:ext>
+            </a:extLst>
+          </p:cNvPr>
+          <p:cNvPicPr/>
+          <p:nvPr/>
+        </p:nvPicPr>
+        <p:blipFill>
+          <a:blip r:embed="rId3"/>
+          <a:stretch>
+            <a:fillRect/>
+          </a:stretch>
+        </p:blipFill>
+        <p:spPr>
+          <a:xfrm>
+            <a:off x="8331199" y="1723928"/>
+            <a:ext cx="3254661" cy="4342144"/>
+          </a:xfrm>
+          <a:prstGeom prst="rect">
+            <a:avLst/>
+          </a:prstGeom>
+        </p:spPr>
+      </p:pic>
+      <p:pic>
+        <p:nvPicPr>
+          <p:cNvPr id="7" name="Рисунок 6">
+            <a:extLst>
+              <a:ext uri="{FF2B5EF4-FFF2-40B4-BE49-F238E27FC236}">
+                <a16:creationId xmlns:a16="http://schemas.microsoft.com/office/drawing/2014/main" id="{08F909C9-6E19-421C-9824-6900EC66B0D7}"/>
+              </a:ext>
+            </a:extLst>
+          </p:cNvPr>
+          <p:cNvPicPr/>
+          <p:nvPr/>
+        </p:nvPicPr>
+        <p:blipFill>
+          <a:blip r:embed="rId4"/>
+          <a:stretch>
+            <a:fillRect/>
+          </a:stretch>
+        </p:blipFill>
+        <p:spPr>
+          <a:xfrm>
+            <a:off x="899888" y="1727557"/>
+            <a:ext cx="3254660" cy="4342144"/>
+          </a:xfrm>
+          <a:prstGeom prst="rect">
+            <a:avLst/>
+          </a:prstGeom>
+        </p:spPr>
+      </p:pic>
+      <p:sp>
+        <p:nvSpPr>
+          <p:cNvPr id="8" name="Объект 2">
+            <a:extLst>
+              <a:ext uri="{FF2B5EF4-FFF2-40B4-BE49-F238E27FC236}">
+                <a16:creationId xmlns:a16="http://schemas.microsoft.com/office/drawing/2014/main" id="{75365B6B-3989-4823-8B85-6326D29F498B}"/>
+              </a:ext>
+            </a:extLst>
+          </p:cNvPr>
+          <p:cNvSpPr>
+            <a:spLocks noGrp="1"/>
+          </p:cNvSpPr>
+          <p:nvPr>
+            <p:ph idx="1"/>
+          </p:nvPr>
+        </p:nvSpPr>
+        <p:spPr>
+          <a:xfrm>
+            <a:off x="1618041" y="665553"/>
+            <a:ext cx="9249664" cy="790402"/>
+          </a:xfrm>
+        </p:spPr>
+        <p:txBody>
+          <a:bodyPr>
+            <a:normAutofit/>
+          </a:bodyPr>
+          <a:lstStyle/>
+          <a:p>
+            <a:r>
+              <a:rPr lang="ru-RU" dirty="0"/>
+              <a:t>Распределение нормальное, имеются выбросы. Гистограмма угла нашивки имеет бинарное значение. Выбросы не имеют экстремально больших отклонений. </a:t>
+            </a:r>
+          </a:p>
+        </p:txBody>
+      </p:sp>
+    </p:spTree>
+    <p:extLst>
+      <p:ext uri="{BB962C8B-B14F-4D97-AF65-F5344CB8AC3E}">
+        <p14:creationId xmlns:p14="http://schemas.microsoft.com/office/powerpoint/2010/main" val="33149963"/>
+      </p:ext>
+    </p:extLst>
+  </p:cSld>
+  <p:clrMapOvr>
+    <a:masterClrMapping/>
+  </p:clrMapOvr>
+</p:sld>
+</file>
+
+<file path=ppt/slides/slide6.xml><?xml version="1.0" encoding="utf-8"?>
+<p:sld xmlns:a="http://schemas.openxmlformats.org/drawingml/2006/main" xmlns:r="http://schemas.openxmlformats.org/officeDocument/2006/relationships" xmlns:p="http://schemas.openxmlformats.org/presentationml/2006/main">
+  <p:cSld>
+    <p:spTree>
+      <p:nvGrpSpPr>
+        <p:cNvPr id="1" name=""/>
+        <p:cNvGrpSpPr/>
+        <p:nvPr/>
+      </p:nvGrpSpPr>
+      <p:grpSpPr>
+        <a:xfrm>
+          <a:off x="0" y="0"/>
+          <a:ext cx="0" cy="0"/>
+          <a:chOff x="0" y="0"/>
+          <a:chExt cx="0" cy="0"/>
+        </a:xfrm>
+      </p:grpSpPr>
+      <p:pic>
+        <p:nvPicPr>
+          <p:cNvPr id="4" name="Рисунок 3">
+            <a:extLst>
+              <a:ext uri="{FF2B5EF4-FFF2-40B4-BE49-F238E27FC236}">
+                <a16:creationId xmlns:a16="http://schemas.microsoft.com/office/drawing/2014/main" id="{C4B45E3E-3C57-434D-9300-46CC95830EA3}"/>
+              </a:ext>
+            </a:extLst>
+          </p:cNvPr>
+          <p:cNvPicPr/>
+          <p:nvPr/>
+        </p:nvPicPr>
+        <p:blipFill>
+          <a:blip r:embed="rId2"/>
+          <a:stretch>
+            <a:fillRect/>
+          </a:stretch>
+        </p:blipFill>
+        <p:spPr>
+          <a:xfrm>
+            <a:off x="502451" y="1615486"/>
+            <a:ext cx="5100063" cy="4538572"/>
+          </a:xfrm>
+          <a:prstGeom prst="rect">
+            <a:avLst/>
+          </a:prstGeom>
+        </p:spPr>
+      </p:pic>
+      <p:pic>
+        <p:nvPicPr>
+          <p:cNvPr id="5" name="Рисунок 4">
+            <a:extLst>
+              <a:ext uri="{FF2B5EF4-FFF2-40B4-BE49-F238E27FC236}">
+                <a16:creationId xmlns:a16="http://schemas.microsoft.com/office/drawing/2014/main" id="{D6A223E7-1523-40F1-ACC1-EE78D88590F9}"/>
+              </a:ext>
+            </a:extLst>
+          </p:cNvPr>
+          <p:cNvPicPr/>
+          <p:nvPr/>
+        </p:nvPicPr>
+        <p:blipFill>
+          <a:blip r:embed="rId3"/>
+          <a:stretch>
+            <a:fillRect/>
+          </a:stretch>
+        </p:blipFill>
+        <p:spPr>
+          <a:xfrm>
+            <a:off x="6482336" y="1615486"/>
+            <a:ext cx="5100063" cy="4538572"/>
+          </a:xfrm>
+          <a:prstGeom prst="rect">
+            <a:avLst/>
+          </a:prstGeom>
+        </p:spPr>
+      </p:pic>
+      <p:sp>
+        <p:nvSpPr>
+          <p:cNvPr id="6" name="Объект 2">
+            <a:extLst>
+              <a:ext uri="{FF2B5EF4-FFF2-40B4-BE49-F238E27FC236}">
+                <a16:creationId xmlns:a16="http://schemas.microsoft.com/office/drawing/2014/main" id="{911F9BBA-CB1E-48AB-80FB-B4A077D33FD0}"/>
+              </a:ext>
+            </a:extLst>
+          </p:cNvPr>
+          <p:cNvSpPr>
+            <a:spLocks noGrp="1"/>
+          </p:cNvSpPr>
+          <p:nvPr>
+            <p:ph idx="1"/>
+          </p:nvPr>
+        </p:nvSpPr>
+        <p:spPr>
+          <a:xfrm>
+            <a:off x="1647071" y="703942"/>
+            <a:ext cx="9249664" cy="790402"/>
+          </a:xfrm>
+        </p:spPr>
+        <p:txBody>
+          <a:bodyPr>
+            <a:normAutofit fontScale="92500"/>
+          </a:bodyPr>
+          <a:lstStyle/>
+          <a:p>
+            <a:r>
+              <a:rPr lang="ru-RU" dirty="0"/>
+              <a:t>Попарное сравнение признаков зависимости не выявило. Корреляционная матрица тоже не выявила каких-либо зависимостей. Зависимость между признаками очень низкая. </a:t>
+            </a:r>
+          </a:p>
+        </p:txBody>
+      </p:sp>
+    </p:spTree>
+    <p:extLst>
+      <p:ext uri="{BB962C8B-B14F-4D97-AF65-F5344CB8AC3E}">
+        <p14:creationId xmlns:p14="http://schemas.microsoft.com/office/powerpoint/2010/main" val="1597092122"/>
+      </p:ext>
+    </p:extLst>
+  </p:cSld>
+  <p:clrMapOvr>
+    <a:masterClrMapping/>
+  </p:clrMapOvr>
+</p:sld>
+</file>
+
+<file path=ppt/slides/slide7.xml><?xml version="1.0" encoding="utf-8"?>
+<p:sld xmlns:a="http://schemas.openxmlformats.org/drawingml/2006/main" xmlns:r="http://schemas.openxmlformats.org/officeDocument/2006/relationships" xmlns:p="http://schemas.openxmlformats.org/presentationml/2006/main">
+  <p:cSld>
+    <p:spTree>
+      <p:nvGrpSpPr>
+        <p:cNvPr id="1" name=""/>
+        <p:cNvGrpSpPr/>
+        <p:nvPr/>
+      </p:nvGrpSpPr>
+      <p:grpSpPr>
+        <a:xfrm>
+          <a:off x="0" y="0"/>
+          <a:ext cx="0" cy="0"/>
+          <a:chOff x="0" y="0"/>
+          <a:chExt cx="0" cy="0"/>
+        </a:xfrm>
+      </p:grpSpPr>
+      <p:sp>
+        <p:nvSpPr>
+          <p:cNvPr id="2" name="Заголовок 1">
+            <a:extLst>
+              <a:ext uri="{FF2B5EF4-FFF2-40B4-BE49-F238E27FC236}">
+                <a16:creationId xmlns:a16="http://schemas.microsoft.com/office/drawing/2014/main" id="{8624E134-4E65-4504-8258-EABCE433E2B7}"/>
+              </a:ext>
+            </a:extLst>
+          </p:cNvPr>
+          <p:cNvSpPr>
+            <a:spLocks noGrp="1"/>
+          </p:cNvSpPr>
+          <p:nvPr>
+            <p:ph type="title"/>
+          </p:nvPr>
+        </p:nvSpPr>
+        <p:spPr/>
+        <p:txBody>
+          <a:bodyPr/>
+          <a:lstStyle/>
+          <a:p>
+            <a:r>
+              <a:rPr lang="ru-RU" dirty="0"/>
+              <a:t>создаем модели</a:t>
+            </a:r>
+          </a:p>
+        </p:txBody>
+      </p:sp>
+      <p:pic>
+        <p:nvPicPr>
+          <p:cNvPr id="4" name="Рисунок 3">
+            <a:extLst>
+              <a:ext uri="{FF2B5EF4-FFF2-40B4-BE49-F238E27FC236}">
+                <a16:creationId xmlns:a16="http://schemas.microsoft.com/office/drawing/2014/main" id="{46E3BA08-4924-48CD-BB5E-19B2657E62D9}"/>
+              </a:ext>
+            </a:extLst>
+          </p:cNvPr>
+          <p:cNvPicPr/>
+          <p:nvPr/>
+        </p:nvPicPr>
+        <p:blipFill>
+          <a:blip r:embed="rId2"/>
+          <a:stretch>
+            <a:fillRect/>
+          </a:stretch>
+        </p:blipFill>
+        <p:spPr>
+          <a:xfrm>
+            <a:off x="2452017" y="2667072"/>
+            <a:ext cx="7287966" cy="3101983"/>
+          </a:xfrm>
+          <a:prstGeom prst="rect">
+            <a:avLst/>
+          </a:prstGeom>
+        </p:spPr>
+      </p:pic>
+    </p:spTree>
+    <p:extLst>
+      <p:ext uri="{BB962C8B-B14F-4D97-AF65-F5344CB8AC3E}">
+        <p14:creationId xmlns:p14="http://schemas.microsoft.com/office/powerpoint/2010/main" val="2319547187"/>
+      </p:ext>
+    </p:extLst>
+  </p:cSld>
+  <p:clrMapOvr>
+    <a:masterClrMapping/>
+  </p:clrMapOvr>
+</p:sld>
+</file>
+
+<file path=ppt/slides/slide8.xml><?xml version="1.0" encoding="utf-8"?>
+<p:sld xmlns:a="http://schemas.openxmlformats.org/drawingml/2006/main" xmlns:r="http://schemas.openxmlformats.org/officeDocument/2006/relationships" xmlns:p="http://schemas.openxmlformats.org/presentationml/2006/main">
+  <p:cSld>
+    <p:spTree>
+      <p:nvGrpSpPr>
+        <p:cNvPr id="1" name=""/>
+        <p:cNvGrpSpPr/>
+        <p:nvPr/>
+      </p:nvGrpSpPr>
+      <p:grpSpPr>
+        <a:xfrm>
+          <a:off x="0" y="0"/>
+          <a:ext cx="0" cy="0"/>
+          <a:chOff x="0" y="0"/>
+          <a:chExt cx="0" cy="0"/>
+        </a:xfrm>
+      </p:grpSpPr>
+      <p:pic>
+        <p:nvPicPr>
+          <p:cNvPr id="4" name="Рисунок 3">
+            <a:extLst>
+              <a:ext uri="{FF2B5EF4-FFF2-40B4-BE49-F238E27FC236}">
+                <a16:creationId xmlns:a16="http://schemas.microsoft.com/office/drawing/2014/main" id="{A03E5EC4-302B-42E2-A49A-9100FD590D46}"/>
+              </a:ext>
+            </a:extLst>
+          </p:cNvPr>
+          <p:cNvPicPr/>
+          <p:nvPr/>
+        </p:nvPicPr>
+        <p:blipFill>
+          <a:blip r:embed="rId2">
+            <a:extLst>
+              <a:ext uri="{28A0092B-C50C-407E-A947-70E740481C1C}">
+                <a14:useLocalDpi xmlns:a14="http://schemas.microsoft.com/office/drawing/2010/main" val="0"/>
+              </a:ext>
+            </a:extLst>
+          </a:blip>
+          <a:srcRect/>
+          <a:stretch>
+            <a:fillRect/>
+          </a:stretch>
+        </p:blipFill>
+        <p:spPr bwMode="auto">
+          <a:xfrm>
+            <a:off x="885644" y="413842"/>
+            <a:ext cx="4643461" cy="1820459"/>
+          </a:xfrm>
+          <a:prstGeom prst="rect">
+            <a:avLst/>
+          </a:prstGeom>
+          <a:noFill/>
+          <a:ln>
+            <a:noFill/>
+          </a:ln>
+        </p:spPr>
+      </p:pic>
+      <p:pic>
+        <p:nvPicPr>
+          <p:cNvPr id="5" name="Рисунок 4">
+            <a:extLst>
+              <a:ext uri="{FF2B5EF4-FFF2-40B4-BE49-F238E27FC236}">
+                <a16:creationId xmlns:a16="http://schemas.microsoft.com/office/drawing/2014/main" id="{29C5905F-160C-4A35-B06B-EEA5844626B9}"/>
+              </a:ext>
+            </a:extLst>
+          </p:cNvPr>
+          <p:cNvPicPr/>
+          <p:nvPr/>
+        </p:nvPicPr>
+        <p:blipFill>
+          <a:blip r:embed="rId3">
+            <a:extLst>
+              <a:ext uri="{28A0092B-C50C-407E-A947-70E740481C1C}">
+                <a14:useLocalDpi xmlns:a14="http://schemas.microsoft.com/office/drawing/2010/main" val="0"/>
+              </a:ext>
+            </a:extLst>
+          </a:blip>
+          <a:srcRect/>
+          <a:stretch>
+            <a:fillRect/>
+          </a:stretch>
+        </p:blipFill>
+        <p:spPr bwMode="auto">
+          <a:xfrm>
+            <a:off x="897478" y="2472948"/>
+            <a:ext cx="4631627" cy="1912103"/>
+          </a:xfrm>
+          <a:prstGeom prst="rect">
+            <a:avLst/>
+          </a:prstGeom>
+          <a:noFill/>
+        </p:spPr>
+      </p:pic>
+      <p:pic>
+        <p:nvPicPr>
+          <p:cNvPr id="6" name="Рисунок 5">
+            <a:extLst>
+              <a:ext uri="{FF2B5EF4-FFF2-40B4-BE49-F238E27FC236}">
+                <a16:creationId xmlns:a16="http://schemas.microsoft.com/office/drawing/2014/main" id="{72CB1D09-6210-45BC-8A51-3B4930EEB940}"/>
+              </a:ext>
+            </a:extLst>
+          </p:cNvPr>
+          <p:cNvPicPr/>
+          <p:nvPr/>
+        </p:nvPicPr>
+        <p:blipFill>
+          <a:blip r:embed="rId4">
+            <a:extLst>
+              <a:ext uri="{28A0092B-C50C-407E-A947-70E740481C1C}">
+                <a14:useLocalDpi xmlns:a14="http://schemas.microsoft.com/office/drawing/2010/main" val="0"/>
+              </a:ext>
+            </a:extLst>
+          </a:blip>
+          <a:srcRect/>
+          <a:stretch>
+            <a:fillRect/>
+          </a:stretch>
+        </p:blipFill>
+        <p:spPr bwMode="auto">
+          <a:xfrm>
+            <a:off x="897478" y="4623698"/>
+            <a:ext cx="4631627" cy="1912103"/>
+          </a:xfrm>
+          <a:prstGeom prst="rect">
+            <a:avLst/>
+          </a:prstGeom>
+          <a:noFill/>
+        </p:spPr>
+      </p:pic>
+      <p:pic>
+        <p:nvPicPr>
+          <p:cNvPr id="7" name="Объект 6">
+            <a:extLst>
+              <a:ext uri="{FF2B5EF4-FFF2-40B4-BE49-F238E27FC236}">
+                <a16:creationId xmlns:a16="http://schemas.microsoft.com/office/drawing/2014/main" id="{37013F88-AF1F-43F8-8FD0-25FDD9AD2333}"/>
+              </a:ext>
+            </a:extLst>
+          </p:cNvPr>
+          <p:cNvPicPr>
+            <a:picLocks noGrp="1"/>
+          </p:cNvPicPr>
+          <p:nvPr>
+            <p:ph idx="1"/>
+          </p:nvPr>
+        </p:nvPicPr>
+        <p:blipFill>
+          <a:blip r:embed="rId5">
+            <a:extLst>
+              <a:ext uri="{28A0092B-C50C-407E-A947-70E740481C1C}">
+                <a14:useLocalDpi xmlns:a14="http://schemas.microsoft.com/office/drawing/2010/main" val="0"/>
+              </a:ext>
+            </a:extLst>
+          </a:blip>
+          <a:srcRect/>
+          <a:stretch>
+            <a:fillRect/>
+          </a:stretch>
+        </p:blipFill>
+        <p:spPr bwMode="auto">
+          <a:xfrm>
+            <a:off x="6904769" y="413842"/>
+            <a:ext cx="4643461" cy="1820459"/>
+          </a:xfrm>
+          <a:prstGeom prst="rect">
+            <a:avLst/>
+          </a:prstGeom>
+          <a:noFill/>
+          <a:ln>
+            <a:noFill/>
+          </a:ln>
+        </p:spPr>
+      </p:pic>
+      <p:pic>
+        <p:nvPicPr>
+          <p:cNvPr id="8" name="Рисунок 7">
+            <a:extLst>
+              <a:ext uri="{FF2B5EF4-FFF2-40B4-BE49-F238E27FC236}">
+                <a16:creationId xmlns:a16="http://schemas.microsoft.com/office/drawing/2014/main" id="{99BA2F2B-9980-4A38-81C4-82733A77B904}"/>
+              </a:ext>
+            </a:extLst>
+          </p:cNvPr>
+          <p:cNvPicPr/>
+          <p:nvPr/>
+        </p:nvPicPr>
+        <p:blipFill>
+          <a:blip r:embed="rId6">
+            <a:extLst>
+              <a:ext uri="{28A0092B-C50C-407E-A947-70E740481C1C}">
+                <a14:useLocalDpi xmlns:a14="http://schemas.microsoft.com/office/drawing/2010/main" val="0"/>
+              </a:ext>
+            </a:extLst>
+          </a:blip>
+          <a:srcRect/>
+          <a:stretch>
+            <a:fillRect/>
+          </a:stretch>
+        </p:blipFill>
+        <p:spPr bwMode="auto">
+          <a:xfrm>
+            <a:off x="6904769" y="4532055"/>
+            <a:ext cx="4631626" cy="1912103"/>
+          </a:xfrm>
+          <a:prstGeom prst="rect">
+            <a:avLst/>
+          </a:prstGeom>
+          <a:noFill/>
+        </p:spPr>
+      </p:pic>
+      <p:pic>
+        <p:nvPicPr>
+          <p:cNvPr id="9" name="Рисунок 8">
+            <a:extLst>
+              <a:ext uri="{FF2B5EF4-FFF2-40B4-BE49-F238E27FC236}">
+                <a16:creationId xmlns:a16="http://schemas.microsoft.com/office/drawing/2014/main" id="{E49BF8C9-AA2E-44A5-B10B-BE549B945D12}"/>
+              </a:ext>
+            </a:extLst>
+          </p:cNvPr>
+          <p:cNvPicPr/>
+          <p:nvPr/>
+        </p:nvPicPr>
+        <p:blipFill>
+          <a:blip r:embed="rId7">
+            <a:extLst>
+              <a:ext uri="{28A0092B-C50C-407E-A947-70E740481C1C}">
+                <a14:useLocalDpi xmlns:a14="http://schemas.microsoft.com/office/drawing/2010/main" val="0"/>
+              </a:ext>
+            </a:extLst>
+          </a:blip>
+          <a:srcRect/>
+          <a:stretch>
+            <a:fillRect/>
+          </a:stretch>
+        </p:blipFill>
+        <p:spPr bwMode="auto">
+          <a:xfrm>
+            <a:off x="6904769" y="2472948"/>
+            <a:ext cx="4631626" cy="1912103"/>
+          </a:xfrm>
+          <a:prstGeom prst="rect">
+            <a:avLst/>
+          </a:prstGeom>
+          <a:noFill/>
+        </p:spPr>
+      </p:pic>
+    </p:spTree>
+    <p:extLst>
+      <p:ext uri="{BB962C8B-B14F-4D97-AF65-F5344CB8AC3E}">
+        <p14:creationId xmlns:p14="http://schemas.microsoft.com/office/powerpoint/2010/main" val="245882121"/>
+      </p:ext>
+    </p:extLst>
+  </p:cSld>
+  <p:clrMapOvr>
+    <a:masterClrMapping/>
+  </p:clrMapOvr>
+</p:sld>
+</file>
+
+<file path=ppt/slides/slide9.xml><?xml version="1.0" encoding="utf-8"?>
+<p:sld xmlns:a="http://schemas.openxmlformats.org/drawingml/2006/main" xmlns:r="http://schemas.openxmlformats.org/officeDocument/2006/relationships" xmlns:p="http://schemas.openxmlformats.org/presentationml/2006/main">
+  <p:cSld>
+    <p:spTree>
+      <p:nvGrpSpPr>
+        <p:cNvPr id="1" name=""/>
+        <p:cNvGrpSpPr/>
+        <p:nvPr/>
+      </p:nvGrpSpPr>
+      <p:grpSpPr>
+        <a:xfrm>
+          <a:off x="0" y="0"/>
+          <a:ext cx="0" cy="0"/>
+          <a:chOff x="0" y="0"/>
+          <a:chExt cx="0" cy="0"/>
+        </a:xfrm>
+      </p:grpSpPr>
+      <p:sp>
+        <p:nvSpPr>
+          <p:cNvPr id="2" name="Заголовок 1">
+            <a:extLst>
+              <a:ext uri="{FF2B5EF4-FFF2-40B4-BE49-F238E27FC236}">
+                <a16:creationId xmlns:a16="http://schemas.microsoft.com/office/drawing/2014/main" id="{5ADDFDE5-FEA4-46F6-B474-4F0BCA357B8D}"/>
+              </a:ext>
+            </a:extLst>
+          </p:cNvPr>
+          <p:cNvSpPr>
+            <a:spLocks noGrp="1"/>
+          </p:cNvSpPr>
+          <p:nvPr>
+            <p:ph type="title"/>
+          </p:nvPr>
+        </p:nvSpPr>
+        <p:spPr/>
+        <p:txBody>
+          <a:bodyPr/>
+          <a:lstStyle/>
+          <a:p>
+            <a:r>
+              <a:rPr lang="ru-RU" sz="1800" b="1" dirty="0">
+                <a:effectLst/>
+                <a:latin typeface="Times New Roman" panose="02020603050405020304" pitchFamily="18" charset="0"/>
+                <a:ea typeface="Arial" panose="020B0604020202020204" pitchFamily="34" charset="0"/>
+              </a:rPr>
+              <a:t>Нейронная сеть</a:t>
+            </a:r>
+            <a:endParaRPr lang="ru-RU" dirty="0"/>
+          </a:p>
+        </p:txBody>
+      </p:sp>
+      <p:pic>
+        <p:nvPicPr>
+          <p:cNvPr id="4" name="Рисунок 3">
+            <a:extLst>
+              <a:ext uri="{FF2B5EF4-FFF2-40B4-BE49-F238E27FC236}">
+                <a16:creationId xmlns:a16="http://schemas.microsoft.com/office/drawing/2014/main" id="{D5DEEDDD-9D0B-44DE-ABDC-33C81BFB8931}"/>
+              </a:ext>
+            </a:extLst>
+          </p:cNvPr>
+          <p:cNvPicPr/>
+          <p:nvPr/>
+        </p:nvPicPr>
+        <p:blipFill>
+          <a:blip r:embed="rId2">
+            <a:extLst>
+              <a:ext uri="{28A0092B-C50C-407E-A947-70E740481C1C}">
+                <a14:useLocalDpi xmlns:a14="http://schemas.microsoft.com/office/drawing/2010/main" val="0"/>
+              </a:ext>
+            </a:extLst>
+          </a:blip>
+          <a:srcRect/>
+          <a:stretch>
+            <a:fillRect/>
+          </a:stretch>
+        </p:blipFill>
+        <p:spPr bwMode="auto">
+          <a:xfrm>
+            <a:off x="775817" y="2277699"/>
+            <a:ext cx="5250815" cy="2863215"/>
+          </a:xfrm>
+          <a:prstGeom prst="rect">
+            <a:avLst/>
+          </a:prstGeom>
+          <a:noFill/>
+        </p:spPr>
+      </p:pic>
+      <p:pic>
+        <p:nvPicPr>
+          <p:cNvPr id="5" name="Рисунок 4">
+            <a:extLst>
+              <a:ext uri="{FF2B5EF4-FFF2-40B4-BE49-F238E27FC236}">
+                <a16:creationId xmlns:a16="http://schemas.microsoft.com/office/drawing/2014/main" id="{43C37551-763D-485E-AC9F-7C278F894E94}"/>
+              </a:ext>
+            </a:extLst>
+          </p:cNvPr>
+          <p:cNvPicPr/>
+          <p:nvPr/>
+        </p:nvPicPr>
+        <p:blipFill>
+          <a:blip r:embed="rId3">
+            <a:extLst>
+              <a:ext uri="{28A0092B-C50C-407E-A947-70E740481C1C}">
+                <a14:useLocalDpi xmlns:a14="http://schemas.microsoft.com/office/drawing/2010/main" val="0"/>
+              </a:ext>
+            </a:extLst>
+          </a:blip>
+          <a:srcRect/>
+          <a:stretch>
+            <a:fillRect/>
+          </a:stretch>
+        </p:blipFill>
+        <p:spPr bwMode="auto">
+          <a:xfrm>
+            <a:off x="6165370" y="2320879"/>
+            <a:ext cx="5141595" cy="2820035"/>
+          </a:xfrm>
+          <a:prstGeom prst="rect">
+            <a:avLst/>
+          </a:prstGeom>
+          <a:noFill/>
+          <a:ln>
+            <a:noFill/>
+          </a:ln>
+        </p:spPr>
+      </p:pic>
+    </p:spTree>
+    <p:extLst>
+      <p:ext uri="{BB962C8B-B14F-4D97-AF65-F5344CB8AC3E}">
+        <p14:creationId xmlns:p14="http://schemas.microsoft.com/office/powerpoint/2010/main" val="2140624659"/>
+      </p:ext>
+    </p:extLst>
+  </p:cSld>
+  <p:clrMapOvr>
+    <a:masterClrMapping/>
+  </p:clrMapOvr>
+</p:sld>
+</file>
+
 <file path=ppt/theme/theme1.xml><?xml version="1.0" encoding="utf-8"?>
 <a:theme xmlns:a="http://schemas.openxmlformats.org/drawingml/2006/main" name="Посылка">
   <a:themeElements>
